--- a/course_docs/week10-2_2019.pptx
+++ b/course_docs/week10-2_2019.pptx
@@ -5,18 +5,19 @@
     <p:sldMasterId id="2147483648" r:id="rId1"/>
   </p:sldMasterIdLst>
   <p:notesMasterIdLst>
-    <p:notesMasterId r:id="rId11"/>
+    <p:notesMasterId r:id="rId12"/>
   </p:notesMasterIdLst>
   <p:sldIdLst>
     <p:sldId id="256" r:id="rId2"/>
     <p:sldId id="258" r:id="rId3"/>
-    <p:sldId id="260" r:id="rId4"/>
-    <p:sldId id="359" r:id="rId5"/>
-    <p:sldId id="290" r:id="rId6"/>
-    <p:sldId id="345" r:id="rId7"/>
-    <p:sldId id="264" r:id="rId8"/>
-    <p:sldId id="265" r:id="rId9"/>
-    <p:sldId id="266" r:id="rId10"/>
+    <p:sldId id="360" r:id="rId4"/>
+    <p:sldId id="260" r:id="rId5"/>
+    <p:sldId id="359" r:id="rId6"/>
+    <p:sldId id="290" r:id="rId7"/>
+    <p:sldId id="345" r:id="rId8"/>
+    <p:sldId id="264" r:id="rId9"/>
+    <p:sldId id="265" r:id="rId10"/>
+    <p:sldId id="266" r:id="rId11"/>
   </p:sldIdLst>
   <p:sldSz cx="9144000" cy="6858000" type="screen4x3"/>
   <p:notesSz cx="6858000" cy="9144000"/>
@@ -216,7 +217,7 @@
           <a:p>
             <a:fld id="{6CFC96BA-08DA-2D41-9ABB-71839B9120E1}" type="datetimeFigureOut">
               <a:rPr lang="en-US" smtClean="0"/>
-              <a:t>3/28/19</a:t>
+              <a:t>3/29/19</a:t>
             </a:fld>
             <a:endParaRPr lang="en-US"/>
           </a:p>
@@ -641,7 +642,7 @@
     </p:spTree>
     <p:extLst>
       <p:ext uri="{BB962C8B-B14F-4D97-AF65-F5344CB8AC3E}">
-        <p14:creationId xmlns:p14="http://schemas.microsoft.com/office/powerpoint/2010/main" val="2024954431"/>
+        <p14:creationId xmlns:p14="http://schemas.microsoft.com/office/powerpoint/2010/main" val="182778867"/>
       </p:ext>
     </p:extLst>
   </p:cSld>
@@ -695,26 +696,7 @@
           <a:bodyPr/>
           <a:lstStyle/>
           <a:p>
-            <a:r>
-              <a:rPr lang="en-US" dirty="0"/>
-              <a:t>https://</a:t>
-            </a:r>
-            <a:r>
-              <a:rPr lang="en-US" dirty="0" err="1"/>
-              <a:t>edinburghlivinglab.github.io</a:t>
-            </a:r>
-            <a:r>
-              <a:rPr lang="en-US" dirty="0"/>
-              <a:t>/</a:t>
-            </a:r>
-            <a:r>
-              <a:rPr lang="en-US" dirty="0" err="1"/>
-              <a:t>ddc</a:t>
-            </a:r>
-            <a:r>
-              <a:rPr lang="en-US" dirty="0"/>
-              <a:t>/assignment_r2/</a:t>
-            </a:r>
+            <a:endParaRPr lang="en-US" dirty="0"/>
           </a:p>
         </p:txBody>
       </p:sp>
@@ -744,7 +726,7 @@
     </p:spTree>
     <p:extLst>
       <p:ext uri="{BB962C8B-B14F-4D97-AF65-F5344CB8AC3E}">
-        <p14:creationId xmlns:p14="http://schemas.microsoft.com/office/powerpoint/2010/main" val="1313559283"/>
+        <p14:creationId xmlns:p14="http://schemas.microsoft.com/office/powerpoint/2010/main" val="2024954431"/>
       </p:ext>
     </p:extLst>
   </p:cSld>
@@ -798,7 +780,26 @@
           <a:bodyPr/>
           <a:lstStyle/>
           <a:p>
-            <a:endParaRPr lang="en-US" dirty="0"/>
+            <a:r>
+              <a:rPr lang="en-US" dirty="0"/>
+              <a:t>https://</a:t>
+            </a:r>
+            <a:r>
+              <a:rPr lang="en-US" dirty="0" err="1"/>
+              <a:t>edinburghlivinglab.github.io</a:t>
+            </a:r>
+            <a:r>
+              <a:rPr lang="en-US" dirty="0"/>
+              <a:t>/</a:t>
+            </a:r>
+            <a:r>
+              <a:rPr lang="en-US" dirty="0" err="1"/>
+              <a:t>ddc</a:t>
+            </a:r>
+            <a:r>
+              <a:rPr lang="en-US" dirty="0"/>
+              <a:t>/assignment_r2/</a:t>
+            </a:r>
           </a:p>
         </p:txBody>
       </p:sp>
@@ -817,18 +818,18 @@
           <a:bodyPr/>
           <a:lstStyle/>
           <a:p>
-            <a:fld id="{C90900BA-030E-4AC1-99B0-C0B106F8FA97}" type="slidenum">
-              <a:rPr lang="en-GB" smtClean="0"/>
+            <a:fld id="{BF25FF4D-D286-9945-84D1-EE6F4129429D}" type="slidenum">
+              <a:rPr lang="en-US" smtClean="0"/>
               <a:t>5</a:t>
             </a:fld>
-            <a:endParaRPr lang="en-GB"/>
+            <a:endParaRPr lang="en-US"/>
           </a:p>
         </p:txBody>
       </p:sp>
     </p:spTree>
     <p:extLst>
       <p:ext uri="{BB962C8B-B14F-4D97-AF65-F5344CB8AC3E}">
-        <p14:creationId xmlns:p14="http://schemas.microsoft.com/office/powerpoint/2010/main" val="4160132988"/>
+        <p14:creationId xmlns:p14="http://schemas.microsoft.com/office/powerpoint/2010/main" val="1313559283"/>
       </p:ext>
     </p:extLst>
   </p:cSld>
@@ -882,42 +883,7 @@
           <a:bodyPr/>
           <a:lstStyle/>
           <a:p>
-            <a:r>
-              <a:rPr lang="en-GB" sz="1800" kern="1200" dirty="0">
-                <a:solidFill>
-                  <a:schemeClr val="tx1"/>
-                </a:solidFill>
-                <a:effectLst/>
-                <a:latin typeface="+mn-lt"/>
-                <a:ea typeface="+mn-ea"/>
-                <a:cs typeface="+mn-cs"/>
-              </a:rPr>
-              <a:t>Typically everyday citizens are not equipped to gather scientific evidence. </a:t>
-            </a:r>
-            <a:r>
-              <a:rPr lang="en-GB" sz="1800" kern="1200" dirty="0" err="1">
-                <a:solidFill>
-                  <a:schemeClr val="tx1"/>
-                </a:solidFill>
-                <a:effectLst/>
-                <a:latin typeface="+mn-lt"/>
-                <a:ea typeface="+mn-ea"/>
-                <a:cs typeface="+mn-cs"/>
-              </a:rPr>
-              <a:t>Usuallyit’s</a:t>
-            </a:r>
-            <a:r>
-              <a:rPr lang="en-GB" sz="1800" kern="1200" dirty="0">
-                <a:solidFill>
-                  <a:schemeClr val="tx1"/>
-                </a:solidFill>
-                <a:effectLst/>
-                <a:latin typeface="+mn-lt"/>
-                <a:ea typeface="+mn-ea"/>
-                <a:cs typeface="+mn-cs"/>
-              </a:rPr>
-              <a:t> governments or academics or journalists who do this. Sometimes for-profit companies and non-profits. So the next question is, how can civil society develop tools and practices to support real, effective participation in science and evidence-making processes?</a:t>
-            </a:r>
+            <a:endParaRPr lang="en-US" dirty="0"/>
           </a:p>
         </p:txBody>
       </p:sp>
@@ -928,7 +894,7 @@
             <a:spLocks noGrp="1"/>
           </p:cNvSpPr>
           <p:nvPr>
-            <p:ph type="sldNum" sz="quarter" idx="10"/>
+            <p:ph type="sldNum" sz="quarter" idx="5"/>
           </p:nvPr>
         </p:nvSpPr>
         <p:spPr/>
@@ -947,7 +913,7 @@
     </p:spTree>
     <p:extLst>
       <p:ext uri="{BB962C8B-B14F-4D97-AF65-F5344CB8AC3E}">
-        <p14:creationId xmlns:p14="http://schemas.microsoft.com/office/powerpoint/2010/main" val="261291768"/>
+        <p14:creationId xmlns:p14="http://schemas.microsoft.com/office/powerpoint/2010/main" val="4160132988"/>
       </p:ext>
     </p:extLst>
   </p:cSld>
@@ -1001,6 +967,125 @@
           <a:bodyPr/>
           <a:lstStyle/>
           <a:p>
+            <a:r>
+              <a:rPr lang="en-GB" sz="1800" kern="1200" dirty="0">
+                <a:solidFill>
+                  <a:schemeClr val="tx1"/>
+                </a:solidFill>
+                <a:effectLst/>
+                <a:latin typeface="+mn-lt"/>
+                <a:ea typeface="+mn-ea"/>
+                <a:cs typeface="+mn-cs"/>
+              </a:rPr>
+              <a:t>Typically everyday citizens are not equipped to gather scientific evidence. </a:t>
+            </a:r>
+            <a:r>
+              <a:rPr lang="en-GB" sz="1800" kern="1200" dirty="0" err="1">
+                <a:solidFill>
+                  <a:schemeClr val="tx1"/>
+                </a:solidFill>
+                <a:effectLst/>
+                <a:latin typeface="+mn-lt"/>
+                <a:ea typeface="+mn-ea"/>
+                <a:cs typeface="+mn-cs"/>
+              </a:rPr>
+              <a:t>Usuallyit’s</a:t>
+            </a:r>
+            <a:r>
+              <a:rPr lang="en-GB" sz="1800" kern="1200" dirty="0">
+                <a:solidFill>
+                  <a:schemeClr val="tx1"/>
+                </a:solidFill>
+                <a:effectLst/>
+                <a:latin typeface="+mn-lt"/>
+                <a:ea typeface="+mn-ea"/>
+                <a:cs typeface="+mn-cs"/>
+              </a:rPr>
+              <a:t> governments or academics or journalists who do this. Sometimes for-profit companies and non-profits. So the next question is, how can civil society develop tools and practices to support real, effective participation in science and evidence-making processes?</a:t>
+            </a:r>
+          </a:p>
+        </p:txBody>
+      </p:sp>
+      <p:sp>
+        <p:nvSpPr>
+          <p:cNvPr id="4" name="Slide Number Placeholder 3"/>
+          <p:cNvSpPr>
+            <a:spLocks noGrp="1"/>
+          </p:cNvSpPr>
+          <p:nvPr>
+            <p:ph type="sldNum" sz="quarter" idx="10"/>
+          </p:nvPr>
+        </p:nvSpPr>
+        <p:spPr/>
+        <p:txBody>
+          <a:bodyPr/>
+          <a:lstStyle/>
+          <a:p>
+            <a:fld id="{C90900BA-030E-4AC1-99B0-C0B106F8FA97}" type="slidenum">
+              <a:rPr lang="en-GB" smtClean="0"/>
+              <a:t>7</a:t>
+            </a:fld>
+            <a:endParaRPr lang="en-GB"/>
+          </a:p>
+        </p:txBody>
+      </p:sp>
+    </p:spTree>
+    <p:extLst>
+      <p:ext uri="{BB962C8B-B14F-4D97-AF65-F5344CB8AC3E}">
+        <p14:creationId xmlns:p14="http://schemas.microsoft.com/office/powerpoint/2010/main" val="261291768"/>
+      </p:ext>
+    </p:extLst>
+  </p:cSld>
+  <p:clrMapOvr>
+    <a:masterClrMapping/>
+  </p:clrMapOvr>
+</p:notes>
+</file>
+
+<file path=ppt/notesSlides/notesSlide7.xml><?xml version="1.0" encoding="utf-8"?>
+<p:notes xmlns:a="http://schemas.openxmlformats.org/drawingml/2006/main" xmlns:r="http://schemas.openxmlformats.org/officeDocument/2006/relationships" xmlns:p="http://schemas.openxmlformats.org/presentationml/2006/main">
+  <p:cSld>
+    <p:spTree>
+      <p:nvGrpSpPr>
+        <p:cNvPr id="1" name=""/>
+        <p:cNvGrpSpPr/>
+        <p:nvPr/>
+      </p:nvGrpSpPr>
+      <p:grpSpPr>
+        <a:xfrm>
+          <a:off x="0" y="0"/>
+          <a:ext cx="0" cy="0"/>
+          <a:chOff x="0" y="0"/>
+          <a:chExt cx="0" cy="0"/>
+        </a:xfrm>
+      </p:grpSpPr>
+      <p:sp>
+        <p:nvSpPr>
+          <p:cNvPr id="2" name="Slide Image Placeholder 1"/>
+          <p:cNvSpPr>
+            <a:spLocks noGrp="1" noRot="1" noChangeAspect="1"/>
+          </p:cNvSpPr>
+          <p:nvPr>
+            <p:ph type="sldImg"/>
+          </p:nvPr>
+        </p:nvSpPr>
+        <p:spPr/>
+      </p:sp>
+      <p:sp>
+        <p:nvSpPr>
+          <p:cNvPr id="3" name="Notes Placeholder 2"/>
+          <p:cNvSpPr>
+            <a:spLocks noGrp="1"/>
+          </p:cNvSpPr>
+          <p:nvPr>
+            <p:ph type="body" idx="1"/>
+          </p:nvPr>
+        </p:nvSpPr>
+        <p:spPr/>
+        <p:txBody>
+          <a:bodyPr/>
+          <a:lstStyle/>
+          <a:p>
             <a:endParaRPr lang="en-US" dirty="0"/>
           </a:p>
         </p:txBody>
@@ -1022,7 +1107,7 @@
           <a:p>
             <a:fld id="{BF25FF4D-D286-9945-84D1-EE6F4129429D}" type="slidenum">
               <a:rPr lang="en-US" smtClean="0"/>
-              <a:t>7</a:t>
+              <a:t>8</a:t>
             </a:fld>
             <a:endParaRPr lang="en-US"/>
           </a:p>
@@ -1032,6 +1117,90 @@
     <p:extLst>
       <p:ext uri="{BB962C8B-B14F-4D97-AF65-F5344CB8AC3E}">
         <p14:creationId xmlns:p14="http://schemas.microsoft.com/office/powerpoint/2010/main" val="4141181393"/>
+      </p:ext>
+    </p:extLst>
+  </p:cSld>
+  <p:clrMapOvr>
+    <a:masterClrMapping/>
+  </p:clrMapOvr>
+</p:notes>
+</file>
+
+<file path=ppt/notesSlides/notesSlide8.xml><?xml version="1.0" encoding="utf-8"?>
+<p:notes xmlns:a="http://schemas.openxmlformats.org/drawingml/2006/main" xmlns:r="http://schemas.openxmlformats.org/officeDocument/2006/relationships" xmlns:p="http://schemas.openxmlformats.org/presentationml/2006/main">
+  <p:cSld>
+    <p:spTree>
+      <p:nvGrpSpPr>
+        <p:cNvPr id="1" name=""/>
+        <p:cNvGrpSpPr/>
+        <p:nvPr/>
+      </p:nvGrpSpPr>
+      <p:grpSpPr>
+        <a:xfrm>
+          <a:off x="0" y="0"/>
+          <a:ext cx="0" cy="0"/>
+          <a:chOff x="0" y="0"/>
+          <a:chExt cx="0" cy="0"/>
+        </a:xfrm>
+      </p:grpSpPr>
+      <p:sp>
+        <p:nvSpPr>
+          <p:cNvPr id="2" name="Slide Image Placeholder 1"/>
+          <p:cNvSpPr>
+            <a:spLocks noGrp="1" noRot="1" noChangeAspect="1"/>
+          </p:cNvSpPr>
+          <p:nvPr>
+            <p:ph type="sldImg"/>
+          </p:nvPr>
+        </p:nvSpPr>
+        <p:spPr/>
+      </p:sp>
+      <p:sp>
+        <p:nvSpPr>
+          <p:cNvPr id="3" name="Notes Placeholder 2"/>
+          <p:cNvSpPr>
+            <a:spLocks noGrp="1"/>
+          </p:cNvSpPr>
+          <p:nvPr>
+            <p:ph type="body" idx="1"/>
+          </p:nvPr>
+        </p:nvSpPr>
+        <p:spPr/>
+        <p:txBody>
+          <a:bodyPr/>
+          <a:lstStyle/>
+          <a:p>
+            <a:endParaRPr lang="en-US" dirty="0"/>
+          </a:p>
+        </p:txBody>
+      </p:sp>
+      <p:sp>
+        <p:nvSpPr>
+          <p:cNvPr id="4" name="Slide Number Placeholder 3"/>
+          <p:cNvSpPr>
+            <a:spLocks noGrp="1"/>
+          </p:cNvSpPr>
+          <p:nvPr>
+            <p:ph type="sldNum" sz="quarter" idx="5"/>
+          </p:nvPr>
+        </p:nvSpPr>
+        <p:spPr/>
+        <p:txBody>
+          <a:bodyPr/>
+          <a:lstStyle/>
+          <a:p>
+            <a:fld id="{BF25FF4D-D286-9945-84D1-EE6F4129429D}" type="slidenum">
+              <a:rPr lang="en-US" smtClean="0"/>
+              <a:t>9</a:t>
+            </a:fld>
+            <a:endParaRPr lang="en-US"/>
+          </a:p>
+        </p:txBody>
+      </p:sp>
+    </p:spTree>
+    <p:extLst>
+      <p:ext uri="{BB962C8B-B14F-4D97-AF65-F5344CB8AC3E}">
+        <p14:creationId xmlns:p14="http://schemas.microsoft.com/office/powerpoint/2010/main" val="3211450598"/>
       </p:ext>
     </p:extLst>
   </p:cSld>
@@ -1347,7 +1516,7 @@
           <a:p>
             <a:fld id="{241EB5C9-1307-BA42-ABA2-0BC069CD8E7F}" type="datetimeFigureOut">
               <a:rPr lang="en-US" smtClean="0"/>
-              <a:t>3/28/19</a:t>
+              <a:t>3/29/19</a:t>
             </a:fld>
             <a:endParaRPr lang="en-US"/>
           </a:p>
@@ -1549,7 +1718,7 @@
           <a:p>
             <a:fld id="{241EB5C9-1307-BA42-ABA2-0BC069CD8E7F}" type="datetimeFigureOut">
               <a:rPr lang="en-US" smtClean="0"/>
-              <a:t>3/28/19</a:t>
+              <a:t>3/29/19</a:t>
             </a:fld>
             <a:endParaRPr lang="en-US"/>
           </a:p>
@@ -1922,7 +2091,7 @@
           <a:p>
             <a:fld id="{241EB5C9-1307-BA42-ABA2-0BC069CD8E7F}" type="datetimeFigureOut">
               <a:rPr lang="en-US" smtClean="0"/>
-              <a:t>3/28/19</a:t>
+              <a:t>3/29/19</a:t>
             </a:fld>
             <a:endParaRPr lang="en-US"/>
           </a:p>
@@ -2191,7 +2360,7 @@
           <a:p>
             <a:fld id="{241EB5C9-1307-BA42-ABA2-0BC069CD8E7F}" type="datetimeFigureOut">
               <a:rPr lang="en-US" smtClean="0"/>
-              <a:t>3/28/19</a:t>
+              <a:t>3/29/19</a:t>
             </a:fld>
             <a:endParaRPr lang="en-US"/>
           </a:p>
@@ -2500,7 +2669,7 @@
           <a:p>
             <a:fld id="{241EB5C9-1307-BA42-ABA2-0BC069CD8E7F}" type="datetimeFigureOut">
               <a:rPr lang="en-US" smtClean="0"/>
-              <a:t>3/28/19</a:t>
+              <a:t>3/29/19</a:t>
             </a:fld>
             <a:endParaRPr lang="en-US"/>
           </a:p>
@@ -2943,7 +3112,7 @@
           <a:p>
             <a:fld id="{241EB5C9-1307-BA42-ABA2-0BC069CD8E7F}" type="datetimeFigureOut">
               <a:rPr lang="en-US" smtClean="0"/>
-              <a:t>3/28/19</a:t>
+              <a:t>3/29/19</a:t>
             </a:fld>
             <a:endParaRPr lang="en-US"/>
           </a:p>
@@ -3084,7 +3253,7 @@
           <a:p>
             <a:fld id="{241EB5C9-1307-BA42-ABA2-0BC069CD8E7F}" type="datetimeFigureOut">
               <a:rPr lang="en-US" smtClean="0"/>
-              <a:t>3/28/19</a:t>
+              <a:t>3/29/19</a:t>
             </a:fld>
             <a:endParaRPr lang="en-US"/>
           </a:p>
@@ -3203,7 +3372,7 @@
           <a:p>
             <a:fld id="{241EB5C9-1307-BA42-ABA2-0BC069CD8E7F}" type="datetimeFigureOut">
               <a:rPr lang="en-US" smtClean="0"/>
-              <a:t>3/28/19</a:t>
+              <a:t>3/29/19</a:t>
             </a:fld>
             <a:endParaRPr lang="en-US"/>
           </a:p>
@@ -3502,7 +3671,7 @@
           <a:p>
             <a:fld id="{241EB5C9-1307-BA42-ABA2-0BC069CD8E7F}" type="datetimeFigureOut">
               <a:rPr lang="en-US" smtClean="0"/>
-              <a:t>3/28/19</a:t>
+              <a:t>3/29/19</a:t>
             </a:fld>
             <a:endParaRPr lang="en-US"/>
           </a:p>
@@ -3778,7 +3947,7 @@
           <a:p>
             <a:fld id="{241EB5C9-1307-BA42-ABA2-0BC069CD8E7F}" type="datetimeFigureOut">
               <a:rPr lang="en-US" smtClean="0"/>
-              <a:t>3/28/19</a:t>
+              <a:t>3/29/19</a:t>
             </a:fld>
             <a:endParaRPr lang="en-US"/>
           </a:p>
@@ -4357,6 +4526,65 @@
 </p:sld>
 </file>
 
+<file path=ppt/slides/slide10.xml><?xml version="1.0" encoding="utf-8"?>
+<p:sld xmlns:a="http://schemas.openxmlformats.org/drawingml/2006/main" xmlns:r="http://schemas.openxmlformats.org/officeDocument/2006/relationships" xmlns:p="http://schemas.openxmlformats.org/presentationml/2006/main">
+  <p:cSld>
+    <p:spTree>
+      <p:nvGrpSpPr>
+        <p:cNvPr id="1" name=""/>
+        <p:cNvGrpSpPr/>
+        <p:nvPr/>
+      </p:nvGrpSpPr>
+      <p:grpSpPr>
+        <a:xfrm>
+          <a:off x="0" y="0"/>
+          <a:ext cx="0" cy="0"/>
+          <a:chOff x="0" y="0"/>
+          <a:chExt cx="0" cy="0"/>
+        </a:xfrm>
+      </p:grpSpPr>
+      <p:sp>
+        <p:nvSpPr>
+          <p:cNvPr id="2" name="Title 1"/>
+          <p:cNvSpPr>
+            <a:spLocks noGrp="1"/>
+          </p:cNvSpPr>
+          <p:nvPr>
+            <p:ph type="title"/>
+          </p:nvPr>
+        </p:nvSpPr>
+        <p:spPr>
+          <a:xfrm>
+            <a:off x="722313" y="4406900"/>
+            <a:ext cx="7772400" cy="1362075"/>
+          </a:xfrm>
+        </p:spPr>
+        <p:txBody>
+          <a:bodyPr/>
+          <a:lstStyle/>
+          <a:p>
+            <a:pPr marL="0" lvl="0" indent="0">
+              <a:buNone/>
+            </a:pPr>
+            <a:r>
+              <a:t>Next …</a:t>
+            </a:r>
+          </a:p>
+        </p:txBody>
+      </p:sp>
+    </p:spTree>
+    <p:extLst>
+      <p:ext uri="{BB962C8B-B14F-4D97-AF65-F5344CB8AC3E}">
+        <p14:creationId xmlns:p14="http://schemas.microsoft.com/office/powerpoint/2010/main" val="2419502095"/>
+      </p:ext>
+    </p:extLst>
+  </p:cSld>
+  <p:clrMapOvr>
+    <a:masterClrMapping/>
+  </p:clrMapOvr>
+</p:sld>
+</file>
+
 <file path=ppt/slides/slide2.xml><?xml version="1.0" encoding="utf-8"?>
 <p:sld xmlns:a="http://schemas.openxmlformats.org/drawingml/2006/main" xmlns:r="http://schemas.openxmlformats.org/officeDocument/2006/relationships" xmlns:p="http://schemas.openxmlformats.org/presentationml/2006/main">
   <p:cSld>
@@ -4449,7 +4677,7 @@
                 </a:solidFill>
                 <a:latin typeface="Century Gothic" panose="020B0502020202020204" pitchFamily="34" charset="0"/>
               </a:rPr>
-              <a:t>Transformation: is it individual-level, community-level, society-level? </a:t>
+              <a:t>If you took this course again, how would you approach the work differently?</a:t>
             </a:r>
           </a:p>
           <a:p>
@@ -4476,7 +4704,7 @@
                 </a:solidFill>
                 <a:latin typeface="Century Gothic" panose="020B0502020202020204" pitchFamily="34" charset="0"/>
               </a:rPr>
-              <a:t>Think about your project. How could it interact with each level of change?</a:t>
+              <a:t>What would you tell someone else who might take the course?</a:t>
             </a:r>
           </a:p>
           <a:p>
@@ -4526,7 +4754,7 @@
         </p:nvSpPr>
         <p:spPr>
           <a:xfrm>
-            <a:off x="668525" y="2171999"/>
+            <a:off x="668525" y="2527599"/>
             <a:ext cx="7772400" cy="1004196"/>
           </a:xfrm>
         </p:spPr>
@@ -4541,11 +4769,8 @@
             </a:pPr>
             <a:r>
               <a:rPr lang="en-GB" dirty="0"/>
-              <a:t>Individual report 2</a:t>
-            </a:r>
-            <a:br>
-              <a:rPr lang="en-GB" dirty="0"/>
-            </a:br>
+              <a:t>Presentation videos</a:t>
+            </a:r>
             <a:endParaRPr b="0" dirty="0"/>
           </a:p>
         </p:txBody>
@@ -4553,7 +4778,7 @@
     </p:spTree>
     <p:extLst>
       <p:ext uri="{BB962C8B-B14F-4D97-AF65-F5344CB8AC3E}">
-        <p14:creationId xmlns:p14="http://schemas.microsoft.com/office/powerpoint/2010/main" val="3319469934"/>
+        <p14:creationId xmlns:p14="http://schemas.microsoft.com/office/powerpoint/2010/main" val="1256255622"/>
       </p:ext>
     </p:extLst>
   </p:cSld>
@@ -4590,219 +4815,36 @@
             <p:ph type="title"/>
           </p:nvPr>
         </p:nvSpPr>
-        <p:spPr/>
-        <p:txBody>
-          <a:bodyPr/>
-          <a:lstStyle/>
-          <a:p>
-            <a:pPr marL="0" lvl="0" indent="0">
+        <p:spPr>
+          <a:xfrm>
+            <a:off x="693925" y="2679999"/>
+            <a:ext cx="7772400" cy="1004196"/>
+          </a:xfrm>
+        </p:spPr>
+        <p:txBody>
+          <a:bodyPr>
+            <a:noAutofit/>
+          </a:bodyPr>
+          <a:lstStyle/>
+          <a:p>
+            <a:pPr marL="0" lvl="0" indent="0" algn="ctr">
               <a:buNone/>
             </a:pPr>
             <a:r>
-              <a:t>Overview</a:t>
-            </a:r>
-          </a:p>
-        </p:txBody>
-      </p:sp>
-      <p:sp>
-        <p:nvSpPr>
-          <p:cNvPr id="3" name="Content Placeholder 2"/>
-          <p:cNvSpPr>
-            <a:spLocks noGrp="1"/>
-          </p:cNvSpPr>
-          <p:nvPr>
-            <p:ph idx="1"/>
-          </p:nvPr>
-        </p:nvSpPr>
-        <p:spPr>
-          <a:xfrm>
-            <a:off x="457200" y="1600200"/>
-            <a:ext cx="8229600" cy="4870938"/>
-          </a:xfrm>
-        </p:spPr>
-        <p:txBody>
-          <a:bodyPr>
-            <a:normAutofit fontScale="92500" lnSpcReduction="10000"/>
-          </a:bodyPr>
-          <a:lstStyle/>
-          <a:p>
-            <a:pPr lvl="1">
-              <a:buFont typeface="Arial" panose="020B0604020202020204" pitchFamily="34" charset="0"/>
-              <a:buChar char="•"/>
-            </a:pPr>
-            <a:r>
-              <a:rPr b="1" dirty="0">
-                <a:solidFill>
-                  <a:schemeClr val="bg1"/>
-                </a:solidFill>
-                <a:latin typeface="Century Gothic" panose="020B0502020202020204" pitchFamily="34" charset="0"/>
-              </a:rPr>
-              <a:t>Deadline: Submit on Learn by 16:00 Friday 1 April</a:t>
-            </a:r>
-            <a:endParaRPr lang="en-GB" b="1" dirty="0">
-              <a:solidFill>
-                <a:schemeClr val="bg1"/>
-              </a:solidFill>
-              <a:latin typeface="Century Gothic" panose="020B0502020202020204" pitchFamily="34" charset="0"/>
-            </a:endParaRPr>
-          </a:p>
-          <a:p>
-            <a:pPr lvl="1">
-              <a:buFont typeface="Arial" panose="020B0604020202020204" pitchFamily="34" charset="0"/>
-              <a:buChar char="•"/>
-            </a:pPr>
-            <a:endParaRPr lang="en-GB" b="1" dirty="0">
-              <a:solidFill>
-                <a:schemeClr val="bg1"/>
-              </a:solidFill>
-              <a:latin typeface="Century Gothic" panose="020B0502020202020204" pitchFamily="34" charset="0"/>
-            </a:endParaRPr>
-          </a:p>
-          <a:p>
-            <a:pPr lvl="1">
-              <a:buFont typeface="Arial" panose="020B0604020202020204" pitchFamily="34" charset="0"/>
-              <a:buChar char="•"/>
-            </a:pPr>
-            <a:r>
-              <a:rPr lang="en-GB" b="1" dirty="0">
-                <a:solidFill>
-                  <a:schemeClr val="bg1"/>
-                </a:solidFill>
-                <a:latin typeface="Century Gothic" panose="020B0502020202020204" pitchFamily="34" charset="0"/>
-              </a:rPr>
-              <a:t>1500 – 2500 </a:t>
-            </a:r>
-            <a:r>
-              <a:rPr b="1" dirty="0">
-                <a:solidFill>
-                  <a:schemeClr val="bg1"/>
-                </a:solidFill>
-                <a:latin typeface="Century Gothic" panose="020B0502020202020204" pitchFamily="34" charset="0"/>
-              </a:rPr>
-              <a:t>words</a:t>
-            </a:r>
-            <a:endParaRPr lang="en-GB" b="1" dirty="0">
-              <a:solidFill>
-                <a:schemeClr val="bg1"/>
-              </a:solidFill>
-              <a:latin typeface="Century Gothic" panose="020B0502020202020204" pitchFamily="34" charset="0"/>
-            </a:endParaRPr>
-          </a:p>
-          <a:p>
-            <a:pPr lvl="1">
-              <a:buFont typeface="Arial" panose="020B0604020202020204" pitchFamily="34" charset="0"/>
-              <a:buChar char="•"/>
-            </a:pPr>
-            <a:endParaRPr lang="en-GB" b="1" dirty="0">
-              <a:solidFill>
-                <a:schemeClr val="bg1"/>
-              </a:solidFill>
-              <a:latin typeface="Century Gothic" panose="020B0502020202020204" pitchFamily="34" charset="0"/>
-            </a:endParaRPr>
-          </a:p>
-          <a:p>
-            <a:pPr lvl="1">
-              <a:buFont typeface="Arial" panose="020B0604020202020204" pitchFamily="34" charset="0"/>
-              <a:buChar char="•"/>
-            </a:pPr>
-            <a:r>
-              <a:rPr b="1" dirty="0">
-                <a:solidFill>
-                  <a:schemeClr val="bg1"/>
-                </a:solidFill>
-                <a:latin typeface="Century Gothic" panose="020B0502020202020204" pitchFamily="34" charset="0"/>
-              </a:rPr>
-              <a:t>Use the section headings in the </a:t>
-            </a:r>
-            <a:r>
-              <a:rPr b="1" dirty="0">
-                <a:solidFill>
-                  <a:schemeClr val="bg1"/>
-                </a:solidFill>
-                <a:latin typeface="Century Gothic" panose="020B0502020202020204" pitchFamily="34" charset="0"/>
-                <a:hlinkClick r:id="rId3">
-                  <a:extLst>
-                    <a:ext uri="{A12FA001-AC4F-418D-AE19-62706E023703}">
-                      <ahyp:hlinkClr xmlns:ahyp="http://schemas.microsoft.com/office/drawing/2018/hyperlinkcolor" val="tx"/>
-                    </a:ext>
-                  </a:extLst>
-                </a:hlinkClick>
-              </a:rPr>
-              <a:t>guidance</a:t>
-            </a:r>
-            <a:endParaRPr lang="en-GB" b="1" dirty="0">
-              <a:solidFill>
-                <a:schemeClr val="bg1"/>
-              </a:solidFill>
-              <a:latin typeface="Century Gothic" panose="020B0502020202020204" pitchFamily="34" charset="0"/>
-            </a:endParaRPr>
-          </a:p>
-          <a:p>
-            <a:pPr lvl="1">
-              <a:buFont typeface="Arial" panose="020B0604020202020204" pitchFamily="34" charset="0"/>
-              <a:buChar char="•"/>
-            </a:pPr>
-            <a:endParaRPr lang="en-GB" b="1" dirty="0">
-              <a:solidFill>
-                <a:schemeClr val="bg1"/>
-              </a:solidFill>
-              <a:latin typeface="Century Gothic" panose="020B0502020202020204" pitchFamily="34" charset="0"/>
-            </a:endParaRPr>
-          </a:p>
-          <a:p>
-            <a:pPr lvl="1">
-              <a:buFont typeface="Arial" panose="020B0604020202020204" pitchFamily="34" charset="0"/>
-              <a:buChar char="•"/>
-            </a:pPr>
-            <a:r>
-              <a:rPr b="1" dirty="0">
-                <a:solidFill>
-                  <a:schemeClr val="bg1"/>
-                </a:solidFill>
-                <a:latin typeface="Century Gothic" panose="020B0502020202020204" pitchFamily="34" charset="0"/>
-              </a:rPr>
-              <a:t>Take note of different marks available for each section</a:t>
-            </a:r>
-            <a:endParaRPr lang="en-GB" b="1" dirty="0">
-              <a:solidFill>
-                <a:schemeClr val="bg1"/>
-              </a:solidFill>
-              <a:latin typeface="Century Gothic" panose="020B0502020202020204" pitchFamily="34" charset="0"/>
-            </a:endParaRPr>
-          </a:p>
-          <a:p>
-            <a:pPr lvl="1">
-              <a:buFont typeface="Arial" panose="020B0604020202020204" pitchFamily="34" charset="0"/>
-              <a:buChar char="•"/>
-            </a:pPr>
-            <a:endParaRPr lang="en-GB" b="1" dirty="0">
-              <a:solidFill>
-                <a:schemeClr val="bg1"/>
-              </a:solidFill>
-              <a:latin typeface="Century Gothic" panose="020B0502020202020204" pitchFamily="34" charset="0"/>
-            </a:endParaRPr>
-          </a:p>
-          <a:p>
-            <a:pPr lvl="1">
-              <a:buFont typeface="Arial" panose="020B0604020202020204" pitchFamily="34" charset="0"/>
-              <a:buChar char="•"/>
-            </a:pPr>
-            <a:r>
-              <a:rPr b="1" dirty="0">
-                <a:solidFill>
-                  <a:schemeClr val="bg1"/>
-                </a:solidFill>
-                <a:latin typeface="Century Gothic" panose="020B0502020202020204" pitchFamily="34" charset="0"/>
-              </a:rPr>
-              <a:t>Read the guide to how it will be assessed</a:t>
-            </a:r>
+              <a:rPr lang="en-GB" dirty="0"/>
+              <a:t>Individual report 2</a:t>
+            </a:r>
+            <a:br>
+              <a:rPr lang="en-GB" dirty="0"/>
+            </a:br>
+            <a:endParaRPr b="0" dirty="0"/>
           </a:p>
         </p:txBody>
       </p:sp>
     </p:spTree>
     <p:extLst>
       <p:ext uri="{BB962C8B-B14F-4D97-AF65-F5344CB8AC3E}">
-        <p14:creationId xmlns:p14="http://schemas.microsoft.com/office/powerpoint/2010/main" val="1039826608"/>
+        <p14:creationId xmlns:p14="http://schemas.microsoft.com/office/powerpoint/2010/main" val="3319469934"/>
       </p:ext>
     </p:extLst>
   </p:cSld>
@@ -4831,13 +4873,31 @@
       </p:grpSpPr>
       <p:sp>
         <p:nvSpPr>
-          <p:cNvPr id="3" name="Content Placeholder 2">
-            <a:extLst>
-              <a:ext uri="{FF2B5EF4-FFF2-40B4-BE49-F238E27FC236}">
-                <a16:creationId xmlns:a16="http://schemas.microsoft.com/office/drawing/2014/main" id="{DEA51BD7-FB81-404E-981D-B676A544C020}"/>
-              </a:ext>
-            </a:extLst>
-          </p:cNvPr>
+          <p:cNvPr id="2" name="Title 1"/>
+          <p:cNvSpPr>
+            <a:spLocks noGrp="1"/>
+          </p:cNvSpPr>
+          <p:nvPr>
+            <p:ph type="title"/>
+          </p:nvPr>
+        </p:nvSpPr>
+        <p:spPr/>
+        <p:txBody>
+          <a:bodyPr/>
+          <a:lstStyle/>
+          <a:p>
+            <a:pPr marL="0" lvl="0" indent="0">
+              <a:buNone/>
+            </a:pPr>
+            <a:r>
+              <a:t>Overview</a:t>
+            </a:r>
+          </a:p>
+        </p:txBody>
+      </p:sp>
+      <p:sp>
+        <p:nvSpPr>
+          <p:cNvPr id="3" name="Content Placeholder 2"/>
           <p:cNvSpPr>
             <a:spLocks noGrp="1"/>
           </p:cNvSpPr>
@@ -4847,30 +4907,221 @@
         </p:nvSpPr>
         <p:spPr>
           <a:xfrm>
-            <a:off x="0" y="978147"/>
-            <a:ext cx="9256542" cy="3263504"/>
-          </a:xfrm>
-        </p:spPr>
-        <p:txBody>
-          <a:bodyPr/>
-          <a:lstStyle/>
-          <a:p>
-            <a:endParaRPr lang="en-GB" dirty="0"/>
-          </a:p>
-          <a:p>
-            <a:endParaRPr lang="en-GB" dirty="0"/>
-          </a:p>
-          <a:p>
-            <a:pPr algn="ctr"/>
-            <a:endParaRPr lang="en-GB" dirty="0"/>
-          </a:p>
-          <a:p>
-            <a:pPr marL="0" indent="0" algn="ctr">
-              <a:buNone/>
+            <a:off x="457200" y="1600200"/>
+            <a:ext cx="8229600" cy="4870938"/>
+          </a:xfrm>
+        </p:spPr>
+        <p:txBody>
+          <a:bodyPr>
+            <a:normAutofit fontScale="92500" lnSpcReduction="10000"/>
+          </a:bodyPr>
+          <a:lstStyle/>
+          <a:p>
+            <a:pPr lvl="1">
+              <a:buFont typeface="Arial" panose="020B0604020202020204" pitchFamily="34" charset="0"/>
+              <a:buChar char="•"/>
             </a:pPr>
             <a:r>
-              <a:rPr lang="en-GB" sz="4500" b="1" dirty="0"/>
-              <a:t>Wrap-up</a:t>
+              <a:rPr b="1" dirty="0">
+                <a:solidFill>
+                  <a:schemeClr val="bg1"/>
+                </a:solidFill>
+                <a:latin typeface="Century Gothic" panose="020B0502020202020204" pitchFamily="34" charset="0"/>
+              </a:rPr>
+              <a:t>Deadline: Submit on Learn by 16:00 </a:t>
+            </a:r>
+            <a:r>
+              <a:rPr lang="en-GB" b="1" dirty="0">
+                <a:solidFill>
+                  <a:schemeClr val="bg1"/>
+                </a:solidFill>
+                <a:latin typeface="Century Gothic" panose="020B0502020202020204" pitchFamily="34" charset="0"/>
+              </a:rPr>
+              <a:t>Thursday</a:t>
+            </a:r>
+            <a:r>
+              <a:rPr b="1" dirty="0">
+                <a:solidFill>
+                  <a:schemeClr val="bg1"/>
+                </a:solidFill>
+                <a:latin typeface="Century Gothic" panose="020B0502020202020204" pitchFamily="34" charset="0"/>
+              </a:rPr>
+              <a:t> </a:t>
+            </a:r>
+            <a:r>
+              <a:rPr lang="en-GB" b="1" dirty="0">
+                <a:solidFill>
+                  <a:schemeClr val="bg1"/>
+                </a:solidFill>
+                <a:latin typeface="Century Gothic" panose="020B0502020202020204" pitchFamily="34" charset="0"/>
+              </a:rPr>
+              <a:t>4</a:t>
+            </a:r>
+            <a:r>
+              <a:rPr b="1" dirty="0">
+                <a:solidFill>
+                  <a:schemeClr val="bg1"/>
+                </a:solidFill>
+                <a:latin typeface="Century Gothic" panose="020B0502020202020204" pitchFamily="34" charset="0"/>
+              </a:rPr>
+              <a:t> April</a:t>
+            </a:r>
+            <a:endParaRPr lang="en-GB" b="1" dirty="0">
+              <a:solidFill>
+                <a:schemeClr val="bg1"/>
+              </a:solidFill>
+              <a:latin typeface="Century Gothic" panose="020B0502020202020204" pitchFamily="34" charset="0"/>
+            </a:endParaRPr>
+          </a:p>
+          <a:p>
+            <a:pPr lvl="1">
+              <a:buFont typeface="Arial" panose="020B0604020202020204" pitchFamily="34" charset="0"/>
+              <a:buChar char="•"/>
+            </a:pPr>
+            <a:endParaRPr lang="en-GB" b="1" dirty="0">
+              <a:solidFill>
+                <a:schemeClr val="bg1"/>
+              </a:solidFill>
+              <a:latin typeface="Century Gothic" panose="020B0502020202020204" pitchFamily="34" charset="0"/>
+            </a:endParaRPr>
+          </a:p>
+          <a:p>
+            <a:pPr lvl="1">
+              <a:buFont typeface="Arial" panose="020B0604020202020204" pitchFamily="34" charset="0"/>
+              <a:buChar char="•"/>
+            </a:pPr>
+            <a:r>
+              <a:rPr lang="en-GB" b="1" dirty="0">
+                <a:solidFill>
+                  <a:schemeClr val="bg1"/>
+                </a:solidFill>
+                <a:latin typeface="Century Gothic" panose="020B0502020202020204" pitchFamily="34" charset="0"/>
+              </a:rPr>
+              <a:t>1500 – 2500 </a:t>
+            </a:r>
+            <a:r>
+              <a:rPr b="1" dirty="0">
+                <a:solidFill>
+                  <a:schemeClr val="bg1"/>
+                </a:solidFill>
+                <a:latin typeface="Century Gothic" panose="020B0502020202020204" pitchFamily="34" charset="0"/>
+              </a:rPr>
+              <a:t>words</a:t>
+            </a:r>
+            <a:endParaRPr lang="en-GB" b="1" dirty="0">
+              <a:solidFill>
+                <a:schemeClr val="bg1"/>
+              </a:solidFill>
+              <a:latin typeface="Century Gothic" panose="020B0502020202020204" pitchFamily="34" charset="0"/>
+            </a:endParaRPr>
+          </a:p>
+          <a:p>
+            <a:pPr lvl="1">
+              <a:buFont typeface="Arial" panose="020B0604020202020204" pitchFamily="34" charset="0"/>
+              <a:buChar char="•"/>
+            </a:pPr>
+            <a:endParaRPr lang="en-GB" b="1" dirty="0">
+              <a:solidFill>
+                <a:schemeClr val="bg1"/>
+              </a:solidFill>
+              <a:latin typeface="Century Gothic" panose="020B0502020202020204" pitchFamily="34" charset="0"/>
+            </a:endParaRPr>
+          </a:p>
+          <a:p>
+            <a:pPr lvl="1">
+              <a:buFont typeface="Arial" panose="020B0604020202020204" pitchFamily="34" charset="0"/>
+              <a:buChar char="•"/>
+            </a:pPr>
+            <a:r>
+              <a:rPr b="1" dirty="0">
+                <a:solidFill>
+                  <a:schemeClr val="bg1"/>
+                </a:solidFill>
+                <a:latin typeface="Century Gothic" panose="020B0502020202020204" pitchFamily="34" charset="0"/>
+              </a:rPr>
+              <a:t>Use the section headings in the </a:t>
+            </a:r>
+            <a:r>
+              <a:rPr b="1" dirty="0">
+                <a:solidFill>
+                  <a:schemeClr val="bg1"/>
+                </a:solidFill>
+                <a:latin typeface="Century Gothic" panose="020B0502020202020204" pitchFamily="34" charset="0"/>
+                <a:hlinkClick r:id="rId3">
+                  <a:extLst>
+                    <a:ext uri="{A12FA001-AC4F-418D-AE19-62706E023703}">
+                      <ahyp:hlinkClr xmlns:ahyp="http://schemas.microsoft.com/office/drawing/2018/hyperlinkcolor" val="tx"/>
+                    </a:ext>
+                  </a:extLst>
+                </a:hlinkClick>
+              </a:rPr>
+              <a:t>guidance</a:t>
+            </a:r>
+            <a:endParaRPr lang="en-GB" b="1" dirty="0">
+              <a:solidFill>
+                <a:schemeClr val="bg1"/>
+              </a:solidFill>
+              <a:latin typeface="Century Gothic" panose="020B0502020202020204" pitchFamily="34" charset="0"/>
+            </a:endParaRPr>
+          </a:p>
+          <a:p>
+            <a:pPr lvl="1">
+              <a:buFont typeface="Arial" panose="020B0604020202020204" pitchFamily="34" charset="0"/>
+              <a:buChar char="•"/>
+            </a:pPr>
+            <a:endParaRPr lang="en-GB" b="1" dirty="0">
+              <a:solidFill>
+                <a:schemeClr val="bg1"/>
+              </a:solidFill>
+              <a:latin typeface="Century Gothic" panose="020B0502020202020204" pitchFamily="34" charset="0"/>
+            </a:endParaRPr>
+          </a:p>
+          <a:p>
+            <a:pPr lvl="1">
+              <a:buFont typeface="Arial" panose="020B0604020202020204" pitchFamily="34" charset="0"/>
+              <a:buChar char="•"/>
+            </a:pPr>
+            <a:r>
+              <a:rPr b="1" dirty="0">
+                <a:solidFill>
+                  <a:schemeClr val="bg1"/>
+                </a:solidFill>
+                <a:latin typeface="Century Gothic" panose="020B0502020202020204" pitchFamily="34" charset="0"/>
+              </a:rPr>
+              <a:t>Take note of different marks available for each section</a:t>
+            </a:r>
+            <a:endParaRPr lang="en-GB" b="1" dirty="0">
+              <a:solidFill>
+                <a:schemeClr val="bg1"/>
+              </a:solidFill>
+              <a:latin typeface="Century Gothic" panose="020B0502020202020204" pitchFamily="34" charset="0"/>
+            </a:endParaRPr>
+          </a:p>
+          <a:p>
+            <a:pPr lvl="1">
+              <a:buFont typeface="Arial" panose="020B0604020202020204" pitchFamily="34" charset="0"/>
+              <a:buChar char="•"/>
+            </a:pPr>
+            <a:endParaRPr lang="en-GB" b="1" dirty="0">
+              <a:solidFill>
+                <a:schemeClr val="bg1"/>
+              </a:solidFill>
+              <a:latin typeface="Century Gothic" panose="020B0502020202020204" pitchFamily="34" charset="0"/>
+            </a:endParaRPr>
+          </a:p>
+          <a:p>
+            <a:pPr lvl="1">
+              <a:buFont typeface="Arial" panose="020B0604020202020204" pitchFamily="34" charset="0"/>
+              <a:buChar char="•"/>
+            </a:pPr>
+            <a:r>
+              <a:rPr b="1" dirty="0">
+                <a:solidFill>
+                  <a:schemeClr val="bg1"/>
+                </a:solidFill>
+                <a:latin typeface="Century Gothic" panose="020B0502020202020204" pitchFamily="34" charset="0"/>
+              </a:rPr>
+              <a:t>Read the guide to how it will be assessed</a:t>
             </a:r>
           </a:p>
         </p:txBody>
@@ -4878,7 +5129,7 @@
     </p:spTree>
     <p:extLst>
       <p:ext uri="{BB962C8B-B14F-4D97-AF65-F5344CB8AC3E}">
-        <p14:creationId xmlns:p14="http://schemas.microsoft.com/office/powerpoint/2010/main" val="2520265827"/>
+        <p14:creationId xmlns:p14="http://schemas.microsoft.com/office/powerpoint/2010/main" val="1039826608"/>
       </p:ext>
     </p:extLst>
   </p:cSld>
@@ -4907,162 +5158,46 @@
       </p:grpSpPr>
       <p:sp>
         <p:nvSpPr>
-          <p:cNvPr id="79" name="Shape 79"/>
-          <p:cNvSpPr>
-            <a:spLocks noGrp="1"/>
-          </p:cNvSpPr>
-          <p:nvPr>
-            <p:ph type="title"/>
-          </p:nvPr>
-        </p:nvSpPr>
-        <p:spPr>
-          <a:xfrm>
-            <a:off x="572379" y="455845"/>
-            <a:ext cx="7886700" cy="994172"/>
-          </a:xfrm>
-          <a:prstGeom prst="rect">
-            <a:avLst/>
-          </a:prstGeom>
-        </p:spPr>
-        <p:txBody>
-          <a:bodyPr/>
-          <a:lstStyle/>
-          <a:p>
-            <a:pPr lvl="0">
-              <a:defRPr sz="1800"/>
+          <p:cNvPr id="3" name="Content Placeholder 2">
+            <a:extLst>
+              <a:ext uri="{FF2B5EF4-FFF2-40B4-BE49-F238E27FC236}">
+                <a16:creationId xmlns:a16="http://schemas.microsoft.com/office/drawing/2014/main" id="{DEA51BD7-FB81-404E-981D-B676A544C020}"/>
+              </a:ext>
+            </a:extLst>
+          </p:cNvPr>
+          <p:cNvSpPr>
+            <a:spLocks noGrp="1"/>
+          </p:cNvSpPr>
+          <p:nvPr>
+            <p:ph idx="1"/>
+          </p:nvPr>
+        </p:nvSpPr>
+        <p:spPr>
+          <a:xfrm>
+            <a:off x="0" y="978147"/>
+            <a:ext cx="9256542" cy="3263504"/>
+          </a:xfrm>
+        </p:spPr>
+        <p:txBody>
+          <a:bodyPr/>
+          <a:lstStyle/>
+          <a:p>
+            <a:endParaRPr lang="en-GB" dirty="0"/>
+          </a:p>
+          <a:p>
+            <a:endParaRPr lang="en-GB" dirty="0"/>
+          </a:p>
+          <a:p>
+            <a:pPr algn="ctr"/>
+            <a:endParaRPr lang="en-GB" dirty="0"/>
+          </a:p>
+          <a:p>
+            <a:pPr marL="0" indent="0" algn="ctr">
+              <a:buNone/>
             </a:pPr>
             <a:r>
-              <a:rPr lang="en-GB" sz="2848" dirty="0"/>
-              <a:t>Making Things Public</a:t>
-            </a:r>
-            <a:endParaRPr sz="2848" dirty="0"/>
-          </a:p>
-        </p:txBody>
-      </p:sp>
-      <p:sp>
-        <p:nvSpPr>
-          <p:cNvPr id="80" name="Shape 80"/>
-          <p:cNvSpPr>
-            <a:spLocks noGrp="1"/>
-          </p:cNvSpPr>
-          <p:nvPr>
-            <p:ph type="body" idx="1"/>
-          </p:nvPr>
-        </p:nvSpPr>
-        <p:spPr>
-          <a:xfrm>
-            <a:off x="436099" y="2083063"/>
-            <a:ext cx="8426547" cy="4525963"/>
-          </a:xfrm>
-          <a:prstGeom prst="rect">
-            <a:avLst/>
-          </a:prstGeom>
-        </p:spPr>
-        <p:txBody>
-          <a:bodyPr>
-            <a:normAutofit/>
-          </a:bodyPr>
-          <a:lstStyle/>
-          <a:p>
-            <a:pPr marL="0" indent="0" defTabSz="258773">
-              <a:spcBef>
-                <a:spcPts val="1371"/>
-              </a:spcBef>
-              <a:buNone/>
-              <a:defRPr sz="1800"/>
-            </a:pPr>
-            <a:r>
-              <a:rPr lang="en-GB" sz="2500" b="1" dirty="0"/>
-              <a:t>New DDC Projects Page:</a:t>
-            </a:r>
-          </a:p>
-          <a:p>
-            <a:pPr marL="0" indent="0" defTabSz="258773">
-              <a:spcBef>
-                <a:spcPts val="1371"/>
-              </a:spcBef>
-              <a:buNone/>
-              <a:defRPr sz="1800"/>
-            </a:pPr>
-            <a:endParaRPr lang="en-GB" sz="2500" b="1" dirty="0">
-              <a:solidFill>
-                <a:schemeClr val="bg1"/>
-              </a:solidFill>
-              <a:latin typeface="Century Gothic" panose="020B0502020202020204" pitchFamily="34" charset="0"/>
-            </a:endParaRPr>
-          </a:p>
-          <a:p>
-            <a:pPr defTabSz="258773">
-              <a:spcBef>
-                <a:spcPts val="1371"/>
-              </a:spcBef>
-              <a:defRPr sz="1800"/>
-            </a:pPr>
-            <a:r>
-              <a:rPr lang="en-GB" sz="2500" b="1" dirty="0"/>
-              <a:t>Datasets</a:t>
-            </a:r>
-          </a:p>
-          <a:p>
-            <a:pPr defTabSz="258773">
-              <a:spcBef>
-                <a:spcPts val="1371"/>
-              </a:spcBef>
-              <a:defRPr sz="1800"/>
-            </a:pPr>
-            <a:r>
-              <a:rPr lang="en-GB" sz="2500" b="1" dirty="0">
-                <a:solidFill>
-                  <a:schemeClr val="bg1"/>
-                </a:solidFill>
-                <a:latin typeface="Century Gothic" panose="020B0502020202020204" pitchFamily="34" charset="0"/>
-              </a:rPr>
-              <a:t>Presentation slides</a:t>
-            </a:r>
-          </a:p>
-          <a:p>
-            <a:pPr defTabSz="258773">
-              <a:spcBef>
-                <a:spcPts val="1371"/>
-              </a:spcBef>
-              <a:defRPr sz="1800"/>
-            </a:pPr>
-            <a:r>
-              <a:rPr lang="en-GB" sz="2500" b="1" dirty="0">
-                <a:solidFill>
-                  <a:schemeClr val="bg1"/>
-                </a:solidFill>
-                <a:latin typeface="Century Gothic" panose="020B0502020202020204" pitchFamily="34" charset="0"/>
-              </a:rPr>
-              <a:t>S</a:t>
-            </a:r>
-            <a:r>
-              <a:rPr lang="en-GB" sz="2500" b="1" dirty="0"/>
-              <a:t>creen capture</a:t>
-            </a:r>
-          </a:p>
-          <a:p>
-            <a:pPr defTabSz="258773">
-              <a:spcBef>
-                <a:spcPts val="1371"/>
-              </a:spcBef>
-              <a:defRPr sz="1800"/>
-            </a:pPr>
-            <a:r>
-              <a:rPr lang="en-GB" sz="2500" b="1" dirty="0"/>
-              <a:t>Links</a:t>
-            </a:r>
-          </a:p>
-          <a:p>
-            <a:pPr defTabSz="258773">
-              <a:spcBef>
-                <a:spcPts val="1371"/>
-              </a:spcBef>
-              <a:defRPr sz="1800"/>
-            </a:pPr>
-            <a:r>
-              <a:rPr lang="en-GB" sz="2500" b="1" dirty="0"/>
-              <a:t>Photographs</a:t>
+              <a:rPr lang="en-GB" sz="4500" b="1" dirty="0"/>
+              <a:t>Wrap-up</a:t>
             </a:r>
           </a:p>
         </p:txBody>
@@ -5070,14 +5205,13 @@
     </p:spTree>
     <p:extLst>
       <p:ext uri="{BB962C8B-B14F-4D97-AF65-F5344CB8AC3E}">
-        <p14:creationId xmlns:p14="http://schemas.microsoft.com/office/powerpoint/2010/main" val="946511050"/>
+        <p14:creationId xmlns:p14="http://schemas.microsoft.com/office/powerpoint/2010/main" val="2520265827"/>
       </p:ext>
     </p:extLst>
   </p:cSld>
   <p:clrMapOvr>
     <a:masterClrMapping/>
   </p:clrMapOvr>
-  <p:transition spd="med"/>
 </p:sld>
 </file>
 
@@ -5100,7 +5234,7 @@
       </p:grpSpPr>
       <p:sp>
         <p:nvSpPr>
-          <p:cNvPr id="2" name="Title 1"/>
+          <p:cNvPr id="79" name="Shape 79"/>
           <p:cNvSpPr>
             <a:spLocks noGrp="1"/>
           </p:cNvSpPr>
@@ -5108,35 +5242,48 @@
             <p:ph type="title"/>
           </p:nvPr>
         </p:nvSpPr>
-        <p:spPr/>
-        <p:txBody>
-          <a:bodyPr/>
-          <a:lstStyle/>
-          <a:p>
-            <a:pPr marL="0" lvl="0" indent="0">
-              <a:buNone/>
+        <p:spPr>
+          <a:xfrm>
+            <a:off x="572379" y="455845"/>
+            <a:ext cx="7886700" cy="994172"/>
+          </a:xfrm>
+          <a:prstGeom prst="rect">
+            <a:avLst/>
+          </a:prstGeom>
+        </p:spPr>
+        <p:txBody>
+          <a:bodyPr/>
+          <a:lstStyle/>
+          <a:p>
+            <a:pPr lvl="0">
+              <a:defRPr sz="1800"/>
             </a:pPr>
             <a:r>
-              <a:t>Archiving</a:t>
-            </a:r>
-          </a:p>
-        </p:txBody>
-      </p:sp>
-      <p:sp>
-        <p:nvSpPr>
-          <p:cNvPr id="3" name="Content Placeholder 2"/>
-          <p:cNvSpPr>
-            <a:spLocks noGrp="1"/>
-          </p:cNvSpPr>
-          <p:nvPr>
-            <p:ph idx="1"/>
-          </p:nvPr>
-        </p:nvSpPr>
-        <p:spPr>
-          <a:xfrm>
-            <a:off x="457200" y="1642403"/>
-            <a:ext cx="8229600" cy="4955345"/>
-          </a:xfrm>
+              <a:rPr lang="en-GB" sz="2848" dirty="0"/>
+              <a:t>Making Things Public</a:t>
+            </a:r>
+            <a:endParaRPr sz="2848" dirty="0"/>
+          </a:p>
+        </p:txBody>
+      </p:sp>
+      <p:sp>
+        <p:nvSpPr>
+          <p:cNvPr id="80" name="Shape 80"/>
+          <p:cNvSpPr>
+            <a:spLocks noGrp="1"/>
+          </p:cNvSpPr>
+          <p:nvPr>
+            <p:ph type="body" idx="1"/>
+          </p:nvPr>
+        </p:nvSpPr>
+        <p:spPr>
+          <a:xfrm>
+            <a:off x="436099" y="2083063"/>
+            <a:ext cx="8426547" cy="4525963"/>
+          </a:xfrm>
+          <a:prstGeom prst="rect">
+            <a:avLst/>
+          </a:prstGeom>
         </p:spPr>
         <p:txBody>
           <a:bodyPr>
@@ -5144,57 +5291,25 @@
           </a:bodyPr>
           <a:lstStyle/>
           <a:p>
-            <a:pPr lvl="1">
-              <a:buFont typeface="Arial" panose="020B0604020202020204" pitchFamily="34" charset="0"/>
-              <a:buChar char="•"/>
+            <a:pPr marL="0" indent="0" defTabSz="258773">
+              <a:spcBef>
+                <a:spcPts val="1371"/>
+              </a:spcBef>
+              <a:buNone/>
+              <a:defRPr sz="1800"/>
             </a:pPr>
             <a:r>
-              <a:rPr sz="2500" b="1" dirty="0">
-                <a:solidFill>
-                  <a:schemeClr val="bg1"/>
-                </a:solidFill>
-                <a:latin typeface="Century Gothic" panose="020B0502020202020204" pitchFamily="34" charset="0"/>
-              </a:rPr>
-              <a:t>Audit all the data you collected: file names, data format, when collected. </a:t>
-            </a:r>
-            <a:r>
-              <a:rPr lang="en-GB" sz="2500" b="1" dirty="0">
-                <a:solidFill>
-                  <a:schemeClr val="bg1"/>
-                </a:solidFill>
-                <a:latin typeface="Century Gothic" panose="020B0502020202020204" pitchFamily="34" charset="0"/>
-              </a:rPr>
-              <a:t>B</a:t>
-            </a:r>
-            <a:r>
-              <a:rPr sz="2500" b="1" dirty="0" err="1">
-                <a:solidFill>
-                  <a:schemeClr val="bg1"/>
-                </a:solidFill>
-                <a:latin typeface="Century Gothic" panose="020B0502020202020204" pitchFamily="34" charset="0"/>
-              </a:rPr>
-              <a:t>rief</a:t>
-            </a:r>
-            <a:r>
-              <a:rPr sz="2500" b="1" dirty="0">
-                <a:solidFill>
-                  <a:schemeClr val="bg1"/>
-                </a:solidFill>
-                <a:latin typeface="Century Gothic" panose="020B0502020202020204" pitchFamily="34" charset="0"/>
-              </a:rPr>
-              <a:t> description of contents</a:t>
-            </a:r>
-            <a:endParaRPr lang="en-GB" sz="2500" b="1" dirty="0">
-              <a:solidFill>
-                <a:schemeClr val="bg1"/>
-              </a:solidFill>
-              <a:latin typeface="Century Gothic" panose="020B0502020202020204" pitchFamily="34" charset="0"/>
-            </a:endParaRPr>
-          </a:p>
-          <a:p>
-            <a:pPr lvl="1">
-              <a:buFont typeface="Arial" panose="020B0604020202020204" pitchFamily="34" charset="0"/>
-              <a:buChar char="•"/>
+              <a:rPr lang="en-GB" sz="2500" b="1" dirty="0"/>
+              <a:t>New DDC Projects Page:</a:t>
+            </a:r>
+          </a:p>
+          <a:p>
+            <a:pPr marL="0" indent="0" defTabSz="258773">
+              <a:spcBef>
+                <a:spcPts val="1371"/>
+              </a:spcBef>
+              <a:buNone/>
+              <a:defRPr sz="1800"/>
             </a:pPr>
             <a:endParaRPr lang="en-GB" sz="2500" b="1" dirty="0">
               <a:solidFill>
@@ -5204,111 +5319,77 @@
             </a:endParaRPr>
           </a:p>
           <a:p>
-            <a:pPr lvl="1">
-              <a:buFont typeface="Arial" panose="020B0604020202020204" pitchFamily="34" charset="0"/>
-              <a:buChar char="•"/>
+            <a:pPr defTabSz="258773">
+              <a:spcBef>
+                <a:spcPts val="1371"/>
+              </a:spcBef>
+              <a:defRPr sz="1800"/>
             </a:pPr>
             <a:r>
-              <a:rPr sz="2500" b="1" dirty="0">
+              <a:rPr lang="en-GB" sz="2500" b="1" dirty="0"/>
+              <a:t>Datasets</a:t>
+            </a:r>
+          </a:p>
+          <a:p>
+            <a:pPr defTabSz="258773">
+              <a:spcBef>
+                <a:spcPts val="1371"/>
+              </a:spcBef>
+              <a:defRPr sz="1800"/>
+            </a:pPr>
+            <a:r>
+              <a:rPr lang="en-GB" sz="2500" b="1" dirty="0">
                 <a:solidFill>
                   <a:schemeClr val="bg1"/>
                 </a:solidFill>
                 <a:latin typeface="Century Gothic" panose="020B0502020202020204" pitchFamily="34" charset="0"/>
               </a:rPr>
-              <a:t>Record this in a ‘README’ (plaintext) file</a:t>
-            </a:r>
-            <a:endParaRPr lang="en-GB" sz="2500" b="1" dirty="0">
-              <a:solidFill>
-                <a:schemeClr val="bg1"/>
-              </a:solidFill>
-              <a:latin typeface="Century Gothic" panose="020B0502020202020204" pitchFamily="34" charset="0"/>
-            </a:endParaRPr>
-          </a:p>
-          <a:p>
-            <a:pPr lvl="1">
-              <a:buFont typeface="Arial" panose="020B0604020202020204" pitchFamily="34" charset="0"/>
-              <a:buChar char="•"/>
+              <a:t>Presentation slides</a:t>
+            </a:r>
+          </a:p>
+          <a:p>
+            <a:pPr defTabSz="258773">
+              <a:spcBef>
+                <a:spcPts val="1371"/>
+              </a:spcBef>
+              <a:defRPr sz="1800"/>
             </a:pPr>
-            <a:endParaRPr lang="en-GB" sz="2500" b="1" dirty="0">
-              <a:solidFill>
-                <a:schemeClr val="bg1"/>
-              </a:solidFill>
-              <a:latin typeface="Century Gothic" panose="020B0502020202020204" pitchFamily="34" charset="0"/>
-            </a:endParaRPr>
-          </a:p>
-          <a:p>
-            <a:pPr lvl="1">
-              <a:buFont typeface="Arial" panose="020B0604020202020204" pitchFamily="34" charset="0"/>
-              <a:buChar char="•"/>
-            </a:pPr>
-            <a:r>
-              <a:rPr sz="2500" b="1" dirty="0">
+            <a:r>
+              <a:rPr lang="en-GB" sz="2500" b="1" dirty="0">
                 <a:solidFill>
                   <a:schemeClr val="bg1"/>
                 </a:solidFill>
                 <a:latin typeface="Century Gothic" panose="020B0502020202020204" pitchFamily="34" charset="0"/>
               </a:rPr>
-              <a:t>Put the README file and </a:t>
-            </a:r>
-            <a:r>
-              <a:rPr sz="2500" b="1" i="1" dirty="0">
-                <a:solidFill>
-                  <a:schemeClr val="bg1"/>
-                </a:solidFill>
-                <a:latin typeface="Century Gothic" panose="020B0502020202020204" pitchFamily="34" charset="0"/>
-              </a:rPr>
-              <a:t>all</a:t>
-            </a:r>
-            <a:r>
-              <a:rPr sz="2500" b="1" dirty="0">
-                <a:solidFill>
-                  <a:schemeClr val="bg1"/>
-                </a:solidFill>
-                <a:latin typeface="Century Gothic" panose="020B0502020202020204" pitchFamily="34" charset="0"/>
-              </a:rPr>
-              <a:t> data files into your team’s folder on </a:t>
-            </a:r>
-            <a:r>
-              <a:rPr sz="2500" b="1" dirty="0" err="1">
-                <a:solidFill>
-                  <a:schemeClr val="bg1"/>
-                </a:solidFill>
-                <a:latin typeface="Century Gothic" panose="020B0502020202020204" pitchFamily="34" charset="0"/>
-              </a:rPr>
-              <a:t>DataStore</a:t>
-            </a:r>
-            <a:endParaRPr lang="en-GB" sz="2500" b="1" dirty="0">
-              <a:solidFill>
-                <a:schemeClr val="bg1"/>
-              </a:solidFill>
-              <a:latin typeface="Century Gothic" panose="020B0502020202020204" pitchFamily="34" charset="0"/>
-            </a:endParaRPr>
-          </a:p>
-          <a:p>
-            <a:pPr lvl="1">
-              <a:buFont typeface="Arial" panose="020B0604020202020204" pitchFamily="34" charset="0"/>
-              <a:buChar char="•"/>
+              <a:t>S</a:t>
+            </a:r>
+            <a:r>
+              <a:rPr lang="en-GB" sz="2500" b="1" dirty="0"/>
+              <a:t>creen capture</a:t>
+            </a:r>
+          </a:p>
+          <a:p>
+            <a:pPr defTabSz="258773">
+              <a:spcBef>
+                <a:spcPts val="1371"/>
+              </a:spcBef>
+              <a:defRPr sz="1800"/>
             </a:pPr>
-            <a:endParaRPr lang="en-GB" sz="2500" b="1" dirty="0">
-              <a:solidFill>
-                <a:schemeClr val="bg1"/>
-              </a:solidFill>
-              <a:latin typeface="Century Gothic" panose="020B0502020202020204" pitchFamily="34" charset="0"/>
-            </a:endParaRPr>
-          </a:p>
-          <a:p>
-            <a:pPr lvl="1">
-              <a:buFont typeface="Arial" panose="020B0604020202020204" pitchFamily="34" charset="0"/>
-              <a:buChar char="•"/>
+            <a:r>
+              <a:rPr lang="en-GB" sz="2500" b="1" dirty="0"/>
+              <a:t>Links</a:t>
+            </a:r>
+          </a:p>
+          <a:p>
+            <a:pPr defTabSz="258773">
+              <a:spcBef>
+                <a:spcPts val="1371"/>
+              </a:spcBef>
+              <a:defRPr sz="1800"/>
             </a:pPr>
             <a:r>
-              <a:rPr sz="2500" b="1" dirty="0">
-                <a:solidFill>
-                  <a:schemeClr val="bg1"/>
-                </a:solidFill>
-                <a:latin typeface="Century Gothic" panose="020B0502020202020204" pitchFamily="34" charset="0"/>
-              </a:rPr>
-              <a:t>It’s probable that some of your — de-identified — datasets will be made public</a:t>
+              <a:rPr lang="en-GB" sz="2500" b="1" dirty="0"/>
+              <a:t>Photographs</a:t>
             </a:r>
           </a:p>
         </p:txBody>
@@ -5316,13 +5397,14 @@
     </p:spTree>
     <p:extLst>
       <p:ext uri="{BB962C8B-B14F-4D97-AF65-F5344CB8AC3E}">
-        <p14:creationId xmlns:p14="http://schemas.microsoft.com/office/powerpoint/2010/main" val="3994553821"/>
+        <p14:creationId xmlns:p14="http://schemas.microsoft.com/office/powerpoint/2010/main" val="946511050"/>
       </p:ext>
     </p:extLst>
   </p:cSld>
   <p:clrMapOvr>
     <a:masterClrMapping/>
   </p:clrMapOvr>
+  <p:transition spd="med"/>
 </p:sld>
 </file>
 
@@ -5362,7 +5444,7 @@
               <a:buNone/>
             </a:pPr>
             <a:r>
-              <a:t>Feedback from You</a:t>
+              <a:t>Archiving</a:t>
             </a:r>
           </a:p>
         </p:txBody>
@@ -5379,34 +5461,57 @@
         </p:nvSpPr>
         <p:spPr>
           <a:xfrm>
-            <a:off x="457200" y="1895621"/>
-            <a:ext cx="8229600" cy="4525963"/>
-          </a:xfrm>
-        </p:spPr>
-        <p:txBody>
-          <a:bodyPr/>
-          <a:lstStyle/>
-          <a:p>
-            <a:pPr lvl="1"/>
-            <a:r>
-              <a:rPr b="1" dirty="0">
+            <a:off x="457200" y="1642403"/>
+            <a:ext cx="8229600" cy="4955345"/>
+          </a:xfrm>
+        </p:spPr>
+        <p:txBody>
+          <a:bodyPr>
+            <a:normAutofit/>
+          </a:bodyPr>
+          <a:lstStyle/>
+          <a:p>
+            <a:pPr lvl="1">
+              <a:buFont typeface="Arial" panose="020B0604020202020204" pitchFamily="34" charset="0"/>
+              <a:buChar char="•"/>
+            </a:pPr>
+            <a:r>
+              <a:rPr sz="2500" b="1" dirty="0">
                 <a:solidFill>
                   <a:schemeClr val="bg1"/>
                 </a:solidFill>
                 <a:latin typeface="Century Gothic" panose="020B0502020202020204" pitchFamily="34" charset="0"/>
               </a:rPr>
-              <a:t>Course survey will be sent to you by </a:t>
-            </a:r>
-            <a:r>
-              <a:rPr lang="en-GB" b="1" dirty="0">
+              <a:t>Audit all the data you collected: file names, data format, when collected. </a:t>
+            </a:r>
+            <a:r>
+              <a:rPr lang="en-GB" sz="2500" b="1" dirty="0">
                 <a:solidFill>
                   <a:schemeClr val="bg1"/>
                 </a:solidFill>
                 <a:latin typeface="Century Gothic" panose="020B0502020202020204" pitchFamily="34" charset="0"/>
               </a:rPr>
-              <a:t>SPS</a:t>
-            </a:r>
-            <a:endParaRPr b="1" dirty="0">
+              <a:t>B</a:t>
+            </a:r>
+            <a:r>
+              <a:rPr sz="2500" b="1" dirty="0" err="1">
+                <a:solidFill>
+                  <a:schemeClr val="bg1"/>
+                </a:solidFill>
+                <a:latin typeface="Century Gothic" panose="020B0502020202020204" pitchFamily="34" charset="0"/>
+              </a:rPr>
+              <a:t>rief</a:t>
+            </a:r>
+            <a:r>
+              <a:rPr sz="2500" b="1" dirty="0">
+                <a:solidFill>
+                  <a:schemeClr val="bg1"/>
+                </a:solidFill>
+                <a:latin typeface="Century Gothic" panose="020B0502020202020204" pitchFamily="34" charset="0"/>
+              </a:rPr>
+              <a:t> description of contents</a:t>
+            </a:r>
+            <a:endParaRPr lang="en-GB" sz="2500" b="1" dirty="0">
               <a:solidFill>
                 <a:schemeClr val="bg1"/>
               </a:solidFill>
@@ -5414,8 +5519,11 @@
             </a:endParaRPr>
           </a:p>
           <a:p>
-            <a:pPr lvl="1"/>
-            <a:endParaRPr lang="en-GB" b="1" dirty="0">
+            <a:pPr lvl="1">
+              <a:buFont typeface="Arial" panose="020B0604020202020204" pitchFamily="34" charset="0"/>
+              <a:buChar char="•"/>
+            </a:pPr>
+            <a:endParaRPr lang="en-GB" sz="2500" b="1" dirty="0">
               <a:solidFill>
                 <a:schemeClr val="bg1"/>
               </a:solidFill>
@@ -5423,15 +5531,111 @@
             </a:endParaRPr>
           </a:p>
           <a:p>
-            <a:pPr lvl="1"/>
-            <a:r>
-              <a:rPr b="1" dirty="0">
+            <a:pPr lvl="1">
+              <a:buFont typeface="Arial" panose="020B0604020202020204" pitchFamily="34" charset="0"/>
+              <a:buChar char="•"/>
+            </a:pPr>
+            <a:r>
+              <a:rPr sz="2500" b="1" dirty="0">
                 <a:solidFill>
                   <a:schemeClr val="bg1"/>
                 </a:solidFill>
                 <a:latin typeface="Century Gothic" panose="020B0502020202020204" pitchFamily="34" charset="0"/>
               </a:rPr>
-              <a:t>Evidence of ‘student demand’</a:t>
+              <a:t>Record this in a ‘README’ (plaintext) file</a:t>
+            </a:r>
+            <a:endParaRPr lang="en-GB" sz="2500" b="1" dirty="0">
+              <a:solidFill>
+                <a:schemeClr val="bg1"/>
+              </a:solidFill>
+              <a:latin typeface="Century Gothic" panose="020B0502020202020204" pitchFamily="34" charset="0"/>
+            </a:endParaRPr>
+          </a:p>
+          <a:p>
+            <a:pPr lvl="1">
+              <a:buFont typeface="Arial" panose="020B0604020202020204" pitchFamily="34" charset="0"/>
+              <a:buChar char="•"/>
+            </a:pPr>
+            <a:endParaRPr lang="en-GB" sz="2500" b="1" dirty="0">
+              <a:solidFill>
+                <a:schemeClr val="bg1"/>
+              </a:solidFill>
+              <a:latin typeface="Century Gothic" panose="020B0502020202020204" pitchFamily="34" charset="0"/>
+            </a:endParaRPr>
+          </a:p>
+          <a:p>
+            <a:pPr lvl="1">
+              <a:buFont typeface="Arial" panose="020B0604020202020204" pitchFamily="34" charset="0"/>
+              <a:buChar char="•"/>
+            </a:pPr>
+            <a:r>
+              <a:rPr sz="2500" b="1" dirty="0">
+                <a:solidFill>
+                  <a:schemeClr val="bg1"/>
+                </a:solidFill>
+                <a:latin typeface="Century Gothic" panose="020B0502020202020204" pitchFamily="34" charset="0"/>
+              </a:rPr>
+              <a:t>Put the README file and </a:t>
+            </a:r>
+            <a:r>
+              <a:rPr sz="2500" b="1" i="1" dirty="0">
+                <a:solidFill>
+                  <a:schemeClr val="bg1"/>
+                </a:solidFill>
+                <a:latin typeface="Century Gothic" panose="020B0502020202020204" pitchFamily="34" charset="0"/>
+              </a:rPr>
+              <a:t>all</a:t>
+            </a:r>
+            <a:r>
+              <a:rPr sz="2500" b="1" dirty="0">
+                <a:solidFill>
+                  <a:schemeClr val="bg1"/>
+                </a:solidFill>
+                <a:latin typeface="Century Gothic" panose="020B0502020202020204" pitchFamily="34" charset="0"/>
+              </a:rPr>
+              <a:t> data files into your team’s folder on </a:t>
+            </a:r>
+            <a:r>
+              <a:rPr sz="2500" b="1" dirty="0" err="1">
+                <a:solidFill>
+                  <a:schemeClr val="bg1"/>
+                </a:solidFill>
+                <a:latin typeface="Century Gothic" panose="020B0502020202020204" pitchFamily="34" charset="0"/>
+              </a:rPr>
+              <a:t>DataStore</a:t>
+            </a:r>
+            <a:endParaRPr lang="en-GB" sz="2500" b="1" dirty="0">
+              <a:solidFill>
+                <a:schemeClr val="bg1"/>
+              </a:solidFill>
+              <a:latin typeface="Century Gothic" panose="020B0502020202020204" pitchFamily="34" charset="0"/>
+            </a:endParaRPr>
+          </a:p>
+          <a:p>
+            <a:pPr lvl="1">
+              <a:buFont typeface="Arial" panose="020B0604020202020204" pitchFamily="34" charset="0"/>
+              <a:buChar char="•"/>
+            </a:pPr>
+            <a:endParaRPr lang="en-GB" sz="2500" b="1" dirty="0">
+              <a:solidFill>
+                <a:schemeClr val="bg1"/>
+              </a:solidFill>
+              <a:latin typeface="Century Gothic" panose="020B0502020202020204" pitchFamily="34" charset="0"/>
+            </a:endParaRPr>
+          </a:p>
+          <a:p>
+            <a:pPr lvl="1">
+              <a:buFont typeface="Arial" panose="020B0604020202020204" pitchFamily="34" charset="0"/>
+              <a:buChar char="•"/>
+            </a:pPr>
+            <a:r>
+              <a:rPr sz="2500" b="1" dirty="0">
+                <a:solidFill>
+                  <a:schemeClr val="bg1"/>
+                </a:solidFill>
+                <a:latin typeface="Century Gothic" panose="020B0502020202020204" pitchFamily="34" charset="0"/>
+              </a:rPr>
+              <a:t>It’s probable that some of your — de-identified — datasets will be made public</a:t>
             </a:r>
           </a:p>
         </p:txBody>
@@ -5439,7 +5643,7 @@
     </p:spTree>
     <p:extLst>
       <p:ext uri="{BB962C8B-B14F-4D97-AF65-F5344CB8AC3E}">
-        <p14:creationId xmlns:p14="http://schemas.microsoft.com/office/powerpoint/2010/main" val="2401087434"/>
+        <p14:creationId xmlns:p14="http://schemas.microsoft.com/office/powerpoint/2010/main" val="3994553821"/>
       </p:ext>
     </p:extLst>
   </p:cSld>
@@ -5476,12 +5680,7 @@
             <p:ph type="title"/>
           </p:nvPr>
         </p:nvSpPr>
-        <p:spPr>
-          <a:xfrm>
-            <a:off x="722313" y="4406900"/>
-            <a:ext cx="7772400" cy="1362075"/>
-          </a:xfrm>
-        </p:spPr>
+        <p:spPr/>
         <p:txBody>
           <a:bodyPr/>
           <a:lstStyle/>
@@ -5490,15 +5689,117 @@
               <a:buNone/>
             </a:pPr>
             <a:r>
-              <a:t>Next …</a:t>
-            </a:r>
+              <a:t>Feedback from You</a:t>
+            </a:r>
+          </a:p>
+        </p:txBody>
+      </p:sp>
+      <p:sp>
+        <p:nvSpPr>
+          <p:cNvPr id="3" name="Content Placeholder 2"/>
+          <p:cNvSpPr>
+            <a:spLocks noGrp="1"/>
+          </p:cNvSpPr>
+          <p:nvPr>
+            <p:ph idx="1"/>
+          </p:nvPr>
+        </p:nvSpPr>
+        <p:spPr>
+          <a:xfrm>
+            <a:off x="457200" y="1895621"/>
+            <a:ext cx="8229600" cy="4525963"/>
+          </a:xfrm>
+        </p:spPr>
+        <p:txBody>
+          <a:bodyPr/>
+          <a:lstStyle/>
+          <a:p>
+            <a:pPr lvl="1"/>
+            <a:r>
+              <a:rPr b="1" dirty="0">
+                <a:solidFill>
+                  <a:schemeClr val="bg1"/>
+                </a:solidFill>
+                <a:latin typeface="Century Gothic" panose="020B0502020202020204" pitchFamily="34" charset="0"/>
+              </a:rPr>
+              <a:t>Course survey will be sent to you by </a:t>
+            </a:r>
+            <a:r>
+              <a:rPr lang="en-GB" b="1" dirty="0">
+                <a:solidFill>
+                  <a:schemeClr val="bg1"/>
+                </a:solidFill>
+                <a:latin typeface="Century Gothic" panose="020B0502020202020204" pitchFamily="34" charset="0"/>
+              </a:rPr>
+              <a:t>SPS</a:t>
+            </a:r>
+            <a:endParaRPr b="1" dirty="0">
+              <a:solidFill>
+                <a:schemeClr val="bg1"/>
+              </a:solidFill>
+              <a:latin typeface="Century Gothic" panose="020B0502020202020204" pitchFamily="34" charset="0"/>
+            </a:endParaRPr>
+          </a:p>
+          <a:p>
+            <a:pPr lvl="1"/>
+            <a:endParaRPr lang="en-GB" b="1" dirty="0">
+              <a:solidFill>
+                <a:schemeClr val="bg1"/>
+              </a:solidFill>
+              <a:latin typeface="Century Gothic" panose="020B0502020202020204" pitchFamily="34" charset="0"/>
+            </a:endParaRPr>
+          </a:p>
+          <a:p>
+            <a:pPr lvl="1"/>
+            <a:r>
+              <a:rPr b="1" dirty="0">
+                <a:solidFill>
+                  <a:schemeClr val="bg1"/>
+                </a:solidFill>
+                <a:latin typeface="Century Gothic" panose="020B0502020202020204" pitchFamily="34" charset="0"/>
+              </a:rPr>
+              <a:t>Evidence of ‘student demand’</a:t>
+            </a:r>
+            <a:r>
+              <a:rPr lang="en-GB" b="1" dirty="0">
+                <a:solidFill>
+                  <a:schemeClr val="bg1"/>
+                </a:solidFill>
+                <a:latin typeface="Century Gothic" panose="020B0502020202020204" pitchFamily="34" charset="0"/>
+              </a:rPr>
+              <a:t>: https://</a:t>
+            </a:r>
+            <a:r>
+              <a:rPr lang="en-GB" b="1" dirty="0" err="1">
+                <a:solidFill>
+                  <a:schemeClr val="bg1"/>
+                </a:solidFill>
+                <a:latin typeface="Century Gothic" panose="020B0502020202020204" pitchFamily="34" charset="0"/>
+              </a:rPr>
+              <a:t>docs.google.com</a:t>
+            </a:r>
+            <a:r>
+              <a:rPr lang="en-GB" b="1" dirty="0">
+                <a:solidFill>
+                  <a:schemeClr val="bg1"/>
+                </a:solidFill>
+                <a:latin typeface="Century Gothic" panose="020B0502020202020204" pitchFamily="34" charset="0"/>
+              </a:rPr>
+              <a:t>/forms/d/1qSp-JRrGgfLQ9ugSY09r6fbrJobzOn36e6PnJw50sWI/edit</a:t>
+            </a:r>
+            <a:endParaRPr b="1" dirty="0">
+              <a:solidFill>
+                <a:schemeClr val="bg1"/>
+              </a:solidFill>
+              <a:latin typeface="Century Gothic" panose="020B0502020202020204" pitchFamily="34" charset="0"/>
+            </a:endParaRPr>
           </a:p>
         </p:txBody>
       </p:sp>
     </p:spTree>
     <p:extLst>
       <p:ext uri="{BB962C8B-B14F-4D97-AF65-F5344CB8AC3E}">
-        <p14:creationId xmlns:p14="http://schemas.microsoft.com/office/powerpoint/2010/main" val="2419502095"/>
+        <p14:creationId xmlns:p14="http://schemas.microsoft.com/office/powerpoint/2010/main" val="2401087434"/>
       </p:ext>
     </p:extLst>
   </p:cSld>
